--- a/Platform Technologies/Pre finals/Week 5/Lecture/Chapter_5Process Management.pptx
+++ b/Platform Technologies/Pre finals/Week 5/Lecture/Chapter_5Process Management.pptx
@@ -6405,7 +6405,12 @@
             <p:ph type="ctrTitle"/>
           </p:nvPr>
         </p:nvSpPr>
-        <p:spPr/>
+        <p:spPr>
+          <a:xfrm>
+            <a:off x="2322512" y="1143000"/>
+            <a:ext cx="8735325" cy="2000251"/>
+          </a:xfrm>
+        </p:spPr>
         <p:txBody>
           <a:bodyPr/>
           <a:lstStyle/>
@@ -6413,6 +6418,60 @@
             <a:r>
               <a:rPr lang="en-US" dirty="0"/>
               <a:t>Process Management</a:t>
+            </a:r>
+          </a:p>
+        </p:txBody>
+      </p:sp>
+      <p:sp>
+        <p:nvSpPr>
+          <p:cNvPr id="3" name="Title 1">
+            <a:extLst>
+              <a:ext uri="{FF2B5EF4-FFF2-40B4-BE49-F238E27FC236}">
+                <a16:creationId xmlns:a16="http://schemas.microsoft.com/office/drawing/2014/main" id="{AA6A1473-B8DB-8B96-227C-CB0703DFD8CC}"/>
+              </a:ext>
+            </a:extLst>
+          </p:cNvPr>
+          <p:cNvSpPr txBox="1">
+            <a:spLocks/>
+          </p:cNvSpPr>
+          <p:nvPr/>
+        </p:nvSpPr>
+        <p:spPr>
+          <a:xfrm>
+            <a:off x="1751012" y="231774"/>
+            <a:ext cx="1143000" cy="704851"/>
+          </a:xfrm>
+          <a:prstGeom prst="rect">
+            <a:avLst/>
+          </a:prstGeom>
+        </p:spPr>
+        <p:txBody>
+          <a:bodyPr vert="horz" lIns="121899" tIns="60949" rIns="121899" bIns="60949" rtlCol="0" anchor="b">
+            <a:normAutofit/>
+          </a:bodyPr>
+          <a:lstStyle>
+            <a:lvl1pPr algn="l" defTabSz="1218987" rtl="0" eaLnBrk="1" latinLnBrk="0" hangingPunct="1">
+              <a:lnSpc>
+                <a:spcPct val="90000"/>
+              </a:lnSpc>
+              <a:spcBef>
+                <a:spcPct val="0"/>
+              </a:spcBef>
+              <a:buNone/>
+              <a:defRPr sz="5400" kern="1200">
+                <a:solidFill>
+                  <a:schemeClr val="tx1"/>
+                </a:solidFill>
+                <a:latin typeface="+mj-lt"/>
+                <a:ea typeface="+mj-ea"/>
+                <a:cs typeface="+mj-cs"/>
+              </a:defRPr>
+            </a:lvl1pPr>
+          </a:lstStyle>
+          <a:p>
+            <a:r>
+              <a:rPr lang="en-US" sz="1400" dirty="0"/>
+              <a:t>Chapter 5</a:t>
             </a:r>
           </a:p>
         </p:txBody>
@@ -7349,13 +7408,13 @@
   <p:clrMapOvr>
     <a:masterClrMapping/>
   </p:clrMapOvr>
-  <mc:AlternateContent xmlns:mc="http://schemas.openxmlformats.org/markup-compatibility/2006">
-    <mc:Choice xmlns:p14="http://schemas.microsoft.com/office/powerpoint/2010/main" Requires="p14">
+  <mc:AlternateContent xmlns:mc="http://schemas.openxmlformats.org/markup-compatibility/2006" xmlns:p14="http://schemas.microsoft.com/office/powerpoint/2010/main">
+    <mc:Choice Requires="p14">
       <p:transition spd="med" p14:dur="700">
         <p:fade/>
       </p:transition>
     </mc:Choice>
-    <mc:Fallback>
+    <mc:Fallback xmlns="">
       <p:transition spd="med">
         <p:fade/>
       </p:transition>
@@ -7693,13 +7752,13 @@
   <p:clrMapOvr>
     <a:masterClrMapping/>
   </p:clrMapOvr>
-  <mc:AlternateContent xmlns:mc="http://schemas.openxmlformats.org/markup-compatibility/2006">
-    <mc:Choice xmlns:p14="http://schemas.microsoft.com/office/powerpoint/2010/main" Requires="p14">
+  <mc:AlternateContent xmlns:mc="http://schemas.openxmlformats.org/markup-compatibility/2006" xmlns:p14="http://schemas.microsoft.com/office/powerpoint/2010/main">
+    <mc:Choice Requires="p14">
       <p:transition spd="med" p14:dur="700">
         <p:fade/>
       </p:transition>
     </mc:Choice>
-    <mc:Fallback>
+    <mc:Fallback xmlns="">
       <p:transition spd="med">
         <p:fade/>
       </p:transition>
@@ -8563,13 +8622,13 @@
   <p:clrMapOvr>
     <a:masterClrMapping/>
   </p:clrMapOvr>
-  <mc:AlternateContent xmlns:mc="http://schemas.openxmlformats.org/markup-compatibility/2006">
-    <mc:Choice xmlns:p14="http://schemas.microsoft.com/office/powerpoint/2010/main" Requires="p14">
+  <mc:AlternateContent xmlns:mc="http://schemas.openxmlformats.org/markup-compatibility/2006" xmlns:p14="http://schemas.microsoft.com/office/powerpoint/2010/main">
+    <mc:Choice Requires="p14">
       <p:transition spd="med" p14:dur="700">
         <p:fade/>
       </p:transition>
     </mc:Choice>
-    <mc:Fallback>
+    <mc:Fallback xmlns="">
       <p:transition spd="med">
         <p:fade/>
       </p:transition>
@@ -10746,6 +10805,15 @@
 </file>
 
 <file path=customXml/item2.xml><?xml version="1.0" encoding="utf-8"?>
+<?mso-contentType ?>
+<FormTemplates xmlns="http://schemas.microsoft.com/sharepoint/v3/contenttype/forms">
+  <Display>DocumentLibraryForm</Display>
+  <Edit>AssetEditForm</Edit>
+  <New>DocumentLibraryForm</New>
+</FormTemplates>
+</file>
+
+<file path=customXml/item3.xml><?xml version="1.0" encoding="utf-8"?>
 <p:properties xmlns:p="http://schemas.microsoft.com/office/2006/metadata/properties" xmlns:xsi="http://www.w3.org/2001/XMLSchema-instance" xmlns:pc="http://schemas.microsoft.com/office/infopath/2007/PartnerControls">
   <documentManagement>
     <LocPublishedLinkedAssetsLookup xmlns="4873beb7-5857-4685-be1f-d57550cc96cc" xsi:nil="true"/>
@@ -10881,15 +10949,6 @@
 </p:properties>
 </file>
 
-<file path=customXml/item3.xml><?xml version="1.0" encoding="utf-8"?>
-<?mso-contentType ?>
-<FormTemplates xmlns="http://schemas.microsoft.com/sharepoint/v3/contenttype/forms">
-  <Display>DocumentLibraryForm</Display>
-  <Edit>AssetEditForm</Edit>
-  <New>DocumentLibraryForm</New>
-</FormTemplates>
-</file>
-
 <file path=customXml/itemProps1.xml><?xml version="1.0" encoding="utf-8"?>
 <ds:datastoreItem xmlns:ds="http://schemas.openxmlformats.org/officeDocument/2006/customXml" ds:itemID="{A09BF4D4-EF60-4196-BFC3-9462D607978C}">
   <ds:schemaRefs>
@@ -10909,6 +10968,14 @@
 </file>
 
 <file path=customXml/itemProps2.xml><?xml version="1.0" encoding="utf-8"?>
+<ds:datastoreItem xmlns:ds="http://schemas.openxmlformats.org/officeDocument/2006/customXml" ds:itemID="{3836F65B-1B07-41EE-A0E8-BC6EF3855225}">
+  <ds:schemaRefs>
+    <ds:schemaRef ds:uri="http://schemas.microsoft.com/sharepoint/v3/contenttype/forms"/>
+  </ds:schemaRefs>
+</ds:datastoreItem>
+</file>
+
+<file path=customXml/itemProps3.xml><?xml version="1.0" encoding="utf-8"?>
 <ds:datastoreItem xmlns:ds="http://schemas.openxmlformats.org/officeDocument/2006/customXml" ds:itemID="{60C67BEE-D13F-4BD2-98A5-34D8A0977F68}">
   <ds:schemaRefs>
     <ds:schemaRef ds:uri="4873beb7-5857-4685-be1f-d57550cc96cc"/>
@@ -10922,12 +10989,4 @@
     <ds:schemaRef ds:uri="http://purl.org/dc/dcmitype/"/>
   </ds:schemaRefs>
 </ds:datastoreItem>
-</file>
-
-<file path=customXml/itemProps3.xml><?xml version="1.0" encoding="utf-8"?>
-<ds:datastoreItem xmlns:ds="http://schemas.openxmlformats.org/officeDocument/2006/customXml" ds:itemID="{3836F65B-1B07-41EE-A0E8-BC6EF3855225}">
-  <ds:schemaRefs>
-    <ds:schemaRef ds:uri="http://schemas.microsoft.com/sharepoint/v3/contenttype/forms"/>
-  </ds:schemaRefs>
-</ds:datastoreItem>
 </file>